--- a/gulp/gulp.pptx
+++ b/gulp/gulp.pptx
@@ -3616,7 +3616,7 @@
         <p:spPr>
           <a:xfrm>
             <a:off x="1093787" y="1081087"/>
-            <a:ext cx="4606387" cy="584775"/>
+            <a:ext cx="4401203" cy="584775"/>
           </a:xfrm>
           <a:prstGeom prst="rect">
             <a:avLst/>
@@ -3651,7 +3651,19 @@
             </a:r>
             <a:r>
               <a:rPr dirty="0" smtClean="0"/>
-              <a:t>：grunt-con</a:t>
+              <a:t>：</a:t>
+            </a:r>
+            <a:r>
+              <a:rPr dirty="0" smtClean="0"/>
+              <a:t>g</a:t>
+            </a:r>
+            <a:r>
+              <a:rPr lang="en-US" altLang="zh-CN" dirty="0" smtClean="0"/>
+              <a:t>ulp</a:t>
+            </a:r>
+            <a:r>
+              <a:rPr dirty="0" smtClean="0"/>
+              <a:t>-con</a:t>
             </a:r>
             <a:r>
               <a:rPr lang="en-US" altLang="zh-CN" dirty="0" smtClean="0"/>
@@ -4298,7 +4310,7 @@
         </p:blipFill>
         <p:spPr>
           <a:xfrm>
-            <a:off x="3438973" y="2170393"/>
+            <a:off x="3017732" y="2342798"/>
             <a:ext cx="7268428" cy="1472217"/>
           </a:xfrm>
           <a:prstGeom prst="rect">
@@ -8291,11 +8303,7 @@
             </a:pPr>
             <a:r>
               <a:rPr lang="en-US" altLang="zh-CN" dirty="0" err="1" smtClean="0"/>
-              <a:t>n</a:t>
-            </a:r>
-            <a:r>
-              <a:rPr lang="en-US" altLang="zh-CN" dirty="0" err="1" smtClean="0"/>
-              <a:t>pm</a:t>
+              <a:t>npm</a:t>
             </a:r>
             <a:r>
               <a:rPr lang="zh-CN" altLang="en-US" dirty="0" smtClean="0"/>
